--- a/Apresentacoes/EcoAlerta Domínios.pptx
+++ b/Apresentacoes/EcoAlerta Domínios.pptx
@@ -2113,7 +2113,7 @@
   <p:cSld>
     <p:spTree>
       <p:nvGrpSpPr>
-        <p:cNvPr id="266" name="Shape 266"/>
+        <p:cNvPr id="267" name="Shape 267"/>
         <p:cNvGrpSpPr/>
         <p:nvPr/>
       </p:nvGrpSpPr>
@@ -2127,7 +2127,7 @@
       </p:grpSpPr>
       <p:sp>
         <p:nvSpPr>
-          <p:cNvPr id="267" name="Google Shape;267;g31c99e16464_0_91:notes"/>
+          <p:cNvPr id="268" name="Google Shape;268;g31c99e16464_0_91:notes"/>
           <p:cNvSpPr/>
           <p:nvPr>
             <p:ph idx="2" type="sldImg"/>
@@ -2162,7 +2162,7 @@
       </p:sp>
       <p:sp>
         <p:nvSpPr>
-          <p:cNvPr id="268" name="Google Shape;268;g31c99e16464_0_91:notes"/>
+          <p:cNvPr id="269" name="Google Shape;269;g31c99e16464_0_91:notes"/>
           <p:cNvSpPr txBox="1"/>
           <p:nvPr>
             <p:ph idx="1" type="body"/>
@@ -2212,7 +2212,7 @@
   <p:cSld>
     <p:spTree>
       <p:nvGrpSpPr>
-        <p:cNvPr id="273" name="Shape 273"/>
+        <p:cNvPr id="275" name="Shape 275"/>
         <p:cNvGrpSpPr/>
         <p:nvPr/>
       </p:nvGrpSpPr>
@@ -2226,7 +2226,7 @@
       </p:grpSpPr>
       <p:sp>
         <p:nvSpPr>
-          <p:cNvPr id="274" name="Google Shape;274;g31c99e16464_0_98:notes"/>
+          <p:cNvPr id="276" name="Google Shape;276;g31c99e16464_0_98:notes"/>
           <p:cNvSpPr/>
           <p:nvPr>
             <p:ph idx="2" type="sldImg"/>
@@ -2261,7 +2261,7 @@
       </p:sp>
       <p:sp>
         <p:nvSpPr>
-          <p:cNvPr id="275" name="Google Shape;275;g31c99e16464_0_98:notes"/>
+          <p:cNvPr id="277" name="Google Shape;277;g31c99e16464_0_98:notes"/>
           <p:cNvSpPr txBox="1"/>
           <p:nvPr>
             <p:ph idx="1" type="body"/>
@@ -2311,7 +2311,7 @@
   <p:cSld>
     <p:spTree>
       <p:nvGrpSpPr>
-        <p:cNvPr id="280" name="Shape 280"/>
+        <p:cNvPr id="282" name="Shape 282"/>
         <p:cNvGrpSpPr/>
         <p:nvPr/>
       </p:nvGrpSpPr>
@@ -2325,7 +2325,7 @@
       </p:grpSpPr>
       <p:sp>
         <p:nvSpPr>
-          <p:cNvPr id="281" name="Google Shape;281;g2d6d6cdfbf0_2_0:notes"/>
+          <p:cNvPr id="283" name="Google Shape;283;g2d6d6cdfbf0_2_0:notes"/>
           <p:cNvSpPr/>
           <p:nvPr>
             <p:ph idx="2" type="sldImg"/>
@@ -2360,7 +2360,7 @@
       </p:sp>
       <p:sp>
         <p:nvSpPr>
-          <p:cNvPr id="282" name="Google Shape;282;g2d6d6cdfbf0_2_0:notes"/>
+          <p:cNvPr id="284" name="Google Shape;284;g2d6d6cdfbf0_2_0:notes"/>
           <p:cNvSpPr txBox="1"/>
           <p:nvPr>
             <p:ph idx="1" type="body"/>
@@ -2410,7 +2410,7 @@
   <p:cSld>
     <p:spTree>
       <p:nvGrpSpPr>
-        <p:cNvPr id="290" name="Shape 290"/>
+        <p:cNvPr id="292" name="Shape 292"/>
         <p:cNvGrpSpPr/>
         <p:nvPr/>
       </p:nvGrpSpPr>
@@ -2424,7 +2424,7 @@
       </p:grpSpPr>
       <p:sp>
         <p:nvSpPr>
-          <p:cNvPr id="291" name="Google Shape;291;g31c99e16464_0_105:notes"/>
+          <p:cNvPr id="293" name="Google Shape;293;g31c99e16464_0_105:notes"/>
           <p:cNvSpPr/>
           <p:nvPr>
             <p:ph idx="2" type="sldImg"/>
@@ -2459,7 +2459,7 @@
       </p:sp>
       <p:sp>
         <p:nvSpPr>
-          <p:cNvPr id="292" name="Google Shape;292;g31c99e16464_0_105:notes"/>
+          <p:cNvPr id="294" name="Google Shape;294;g31c99e16464_0_105:notes"/>
           <p:cNvSpPr txBox="1"/>
           <p:nvPr>
             <p:ph idx="1" type="body"/>
@@ -2509,7 +2509,7 @@
   <p:cSld>
     <p:spTree>
       <p:nvGrpSpPr>
-        <p:cNvPr id="296" name="Shape 296"/>
+        <p:cNvPr id="298" name="Shape 298"/>
         <p:cNvGrpSpPr/>
         <p:nvPr/>
       </p:nvGrpSpPr>
@@ -2523,7 +2523,7 @@
       </p:grpSpPr>
       <p:sp>
         <p:nvSpPr>
-          <p:cNvPr id="297" name="Google Shape;297;g31c99e16464_0_110:notes"/>
+          <p:cNvPr id="299" name="Google Shape;299;g31c99e16464_0_110:notes"/>
           <p:cNvSpPr/>
           <p:nvPr>
             <p:ph idx="2" type="sldImg"/>
@@ -2558,7 +2558,7 @@
       </p:sp>
       <p:sp>
         <p:nvSpPr>
-          <p:cNvPr id="298" name="Google Shape;298;g31c99e16464_0_110:notes"/>
+          <p:cNvPr id="300" name="Google Shape;300;g31c99e16464_0_110:notes"/>
           <p:cNvSpPr txBox="1"/>
           <p:nvPr>
             <p:ph idx="1" type="body"/>
@@ -2608,7 +2608,7 @@
   <p:cSld>
     <p:spTree>
       <p:nvGrpSpPr>
-        <p:cNvPr id="306" name="Shape 306"/>
+        <p:cNvPr id="308" name="Shape 308"/>
         <p:cNvGrpSpPr/>
         <p:nvPr/>
       </p:nvGrpSpPr>
@@ -2622,7 +2622,7 @@
       </p:grpSpPr>
       <p:sp>
         <p:nvSpPr>
-          <p:cNvPr id="307" name="Google Shape;307;g31c99e16464_0_122:notes"/>
+          <p:cNvPr id="309" name="Google Shape;309;g31c99e16464_0_122:notes"/>
           <p:cNvSpPr/>
           <p:nvPr>
             <p:ph idx="2" type="sldImg"/>
@@ -2657,7 +2657,7 @@
       </p:sp>
       <p:sp>
         <p:nvSpPr>
-          <p:cNvPr id="308" name="Google Shape;308;g31c99e16464_0_122:notes"/>
+          <p:cNvPr id="310" name="Google Shape;310;g31c99e16464_0_122:notes"/>
           <p:cNvSpPr txBox="1"/>
           <p:nvPr>
             <p:ph idx="1" type="body"/>
@@ -2707,7 +2707,7 @@
   <p:cSld>
     <p:spTree>
       <p:nvGrpSpPr>
-        <p:cNvPr id="312" name="Shape 312"/>
+        <p:cNvPr id="314" name="Shape 314"/>
         <p:cNvGrpSpPr/>
         <p:nvPr/>
       </p:nvGrpSpPr>
@@ -2721,7 +2721,7 @@
       </p:grpSpPr>
       <p:sp>
         <p:nvSpPr>
-          <p:cNvPr id="313" name="Google Shape;313;g1619b4b1478_0_216:notes"/>
+          <p:cNvPr id="315" name="Google Shape;315;g1619b4b1478_0_216:notes"/>
           <p:cNvSpPr/>
           <p:nvPr>
             <p:ph idx="2" type="sldImg"/>
@@ -2756,7 +2756,7 @@
       </p:sp>
       <p:sp>
         <p:nvSpPr>
-          <p:cNvPr id="314" name="Google Shape;314;g1619b4b1478_0_216:notes"/>
+          <p:cNvPr id="316" name="Google Shape;316;g1619b4b1478_0_216:notes"/>
           <p:cNvSpPr txBox="1"/>
           <p:nvPr>
             <p:ph idx="1" type="body"/>
@@ -17738,6 +17738,34 @@
           </a:p>
         </p:txBody>
       </p:sp>
+      <p:pic>
+        <p:nvPicPr>
+          <p:cNvPr id="266" name="Google Shape;266;p42"/>
+          <p:cNvPicPr preferRelativeResize="0"/>
+          <p:nvPr/>
+        </p:nvPicPr>
+        <p:blipFill>
+          <a:blip r:embed="rId3">
+            <a:alphaModFix/>
+          </a:blip>
+          <a:stretch>
+            <a:fillRect/>
+          </a:stretch>
+        </p:blipFill>
+        <p:spPr>
+          <a:xfrm>
+            <a:off x="927113" y="1362350"/>
+            <a:ext cx="6537375" cy="3974400"/>
+          </a:xfrm>
+          <a:prstGeom prst="rect">
+            <a:avLst/>
+          </a:prstGeom>
+          <a:noFill/>
+          <a:ln>
+            <a:noFill/>
+          </a:ln>
+        </p:spPr>
+      </p:pic>
     </p:spTree>
   </p:cSld>
   <p:clrMapOvr>
@@ -17751,7 +17779,7 @@
   <p:cSld>
     <p:spTree>
       <p:nvGrpSpPr>
-        <p:cNvPr id="269" name="Shape 269"/>
+        <p:cNvPr id="270" name="Shape 270"/>
         <p:cNvGrpSpPr/>
         <p:nvPr/>
       </p:nvGrpSpPr>
@@ -17765,7 +17793,7 @@
       </p:grpSpPr>
       <p:sp>
         <p:nvSpPr>
-          <p:cNvPr id="270" name="Google Shape;270;p43"/>
+          <p:cNvPr id="271" name="Google Shape;271;p43"/>
           <p:cNvSpPr txBox="1"/>
           <p:nvPr>
             <p:ph type="title"/>
@@ -17799,46 +17827,6 @@
               <a:rPr lang="pt-BR"/>
               <a:t>Diagrama de classes</a:t>
             </a:r>
-            <a:endParaRPr/>
-          </a:p>
-        </p:txBody>
-      </p:sp>
-      <p:sp>
-        <p:nvSpPr>
-          <p:cNvPr id="271" name="Google Shape;271;p43"/>
-          <p:cNvSpPr txBox="1"/>
-          <p:nvPr>
-            <p:ph idx="12" type="sldNum"/>
-          </p:nvPr>
-        </p:nvSpPr>
-        <p:spPr>
-          <a:xfrm>
-            <a:off x="8503233" y="4703617"/>
-            <a:ext cx="548700" cy="393600"/>
-          </a:xfrm>
-          <a:prstGeom prst="rect">
-            <a:avLst/>
-          </a:prstGeom>
-        </p:spPr>
-        <p:txBody>
-          <a:bodyPr anchorCtr="0" anchor="ctr" bIns="91425" lIns="91425" spcFirstLastPara="1" rIns="91425" wrap="square" tIns="91425">
-            <a:normAutofit/>
-          </a:bodyPr>
-          <a:lstStyle/>
-          <a:p>
-            <a:pPr indent="0" lvl="0" marL="0" rtl="0" algn="r">
-              <a:spcBef>
-                <a:spcPts val="0"/>
-              </a:spcBef>
-              <a:spcAft>
-                <a:spcPts val="0"/>
-              </a:spcAft>
-              <a:buNone/>
-            </a:pPr>
-            <a:fld id="{00000000-1234-1234-1234-123412341234}" type="slidenum">
-              <a:rPr lang="pt-BR"/>
-              <a:t>‹#›</a:t>
-            </a:fld>
             <a:endParaRPr/>
           </a:p>
         </p:txBody>
@@ -17847,11 +17835,51 @@
         <p:nvSpPr>
           <p:cNvPr id="272" name="Google Shape;272;p43"/>
           <p:cNvSpPr txBox="1"/>
+          <p:nvPr>
+            <p:ph idx="12" type="sldNum"/>
+          </p:nvPr>
+        </p:nvSpPr>
+        <p:spPr>
+          <a:xfrm>
+            <a:off x="8503233" y="4703617"/>
+            <a:ext cx="548700" cy="393600"/>
+          </a:xfrm>
+          <a:prstGeom prst="rect">
+            <a:avLst/>
+          </a:prstGeom>
+        </p:spPr>
+        <p:txBody>
+          <a:bodyPr anchorCtr="0" anchor="ctr" bIns="91425" lIns="91425" spcFirstLastPara="1" rIns="91425" wrap="square" tIns="91425">
+            <a:normAutofit/>
+          </a:bodyPr>
+          <a:lstStyle/>
+          <a:p>
+            <a:pPr indent="0" lvl="0" marL="0" rtl="0" algn="r">
+              <a:spcBef>
+                <a:spcPts val="0"/>
+              </a:spcBef>
+              <a:spcAft>
+                <a:spcPts val="0"/>
+              </a:spcAft>
+              <a:buNone/>
+            </a:pPr>
+            <a:fld id="{00000000-1234-1234-1234-123412341234}" type="slidenum">
+              <a:rPr lang="pt-BR"/>
+              <a:t>‹#›</a:t>
+            </a:fld>
+            <a:endParaRPr/>
+          </a:p>
+        </p:txBody>
+      </p:sp>
+      <p:sp>
+        <p:nvSpPr>
+          <p:cNvPr id="273" name="Google Shape;273;p43"/>
+          <p:cNvSpPr txBox="1"/>
           <p:nvPr/>
         </p:nvSpPr>
         <p:spPr>
           <a:xfrm>
-            <a:off x="311700" y="971175"/>
+            <a:off x="311700" y="865325"/>
             <a:ext cx="7768200" cy="649800"/>
           </a:xfrm>
           <a:prstGeom prst="rect">
@@ -17887,7 +17915,7 @@
                 <a:cs typeface="Roboto"/>
                 <a:sym typeface="Roboto"/>
               </a:rPr>
-              <a:t>Justificativa: auxílio no planejamento do sistema.</a:t>
+              <a:t>Justificativa: auxílio na modelagem das classes e suas interações e relações</a:t>
             </a:r>
             <a:endParaRPr sz="1600">
               <a:solidFill>
@@ -17901,6 +17929,34 @@
           </a:p>
         </p:txBody>
       </p:sp>
+      <p:pic>
+        <p:nvPicPr>
+          <p:cNvPr id="274" name="Google Shape;274;p43"/>
+          <p:cNvPicPr preferRelativeResize="0"/>
+          <p:nvPr/>
+        </p:nvPicPr>
+        <p:blipFill>
+          <a:blip r:embed="rId3">
+            <a:alphaModFix/>
+          </a:blip>
+          <a:stretch>
+            <a:fillRect/>
+          </a:stretch>
+        </p:blipFill>
+        <p:spPr>
+          <a:xfrm>
+            <a:off x="1715825" y="1302175"/>
+            <a:ext cx="4343400" cy="3795049"/>
+          </a:xfrm>
+          <a:prstGeom prst="rect">
+            <a:avLst/>
+          </a:prstGeom>
+          <a:noFill/>
+          <a:ln>
+            <a:noFill/>
+          </a:ln>
+        </p:spPr>
+      </p:pic>
     </p:spTree>
   </p:cSld>
   <p:clrMapOvr>
@@ -17914,7 +17970,7 @@
   <p:cSld>
     <p:spTree>
       <p:nvGrpSpPr>
-        <p:cNvPr id="276" name="Shape 276"/>
+        <p:cNvPr id="278" name="Shape 278"/>
         <p:cNvGrpSpPr/>
         <p:nvPr/>
       </p:nvGrpSpPr>
@@ -17928,7 +17984,7 @@
       </p:grpSpPr>
       <p:sp>
         <p:nvSpPr>
-          <p:cNvPr id="277" name="Google Shape;277;p44"/>
+          <p:cNvPr id="279" name="Google Shape;279;p44"/>
           <p:cNvSpPr txBox="1"/>
           <p:nvPr>
             <p:ph type="title"/>
@@ -17973,7 +18029,7 @@
       </p:sp>
       <p:sp>
         <p:nvSpPr>
-          <p:cNvPr id="278" name="Google Shape;278;p44"/>
+          <p:cNvPr id="280" name="Google Shape;280;p44"/>
           <p:cNvSpPr txBox="1"/>
           <p:nvPr>
             <p:ph idx="12" type="sldNum"/>
@@ -18013,7 +18069,7 @@
       </p:sp>
       <p:sp>
         <p:nvSpPr>
-          <p:cNvPr id="279" name="Google Shape;279;p44"/>
+          <p:cNvPr id="281" name="Google Shape;281;p44"/>
           <p:cNvSpPr txBox="1"/>
           <p:nvPr/>
         </p:nvSpPr>
@@ -18345,7 +18401,7 @@
   <p:cSld>
     <p:spTree>
       <p:nvGrpSpPr>
-        <p:cNvPr id="283" name="Shape 283"/>
+        <p:cNvPr id="285" name="Shape 285"/>
         <p:cNvGrpSpPr/>
         <p:nvPr/>
       </p:nvGrpSpPr>
@@ -18359,7 +18415,7 @@
       </p:grpSpPr>
       <p:sp>
         <p:nvSpPr>
-          <p:cNvPr id="284" name="Google Shape;284;p45"/>
+          <p:cNvPr id="286" name="Google Shape;286;p45"/>
           <p:cNvSpPr txBox="1"/>
           <p:nvPr>
             <p:ph type="title"/>
@@ -18404,7 +18460,7 @@
       </p:sp>
       <p:sp>
         <p:nvSpPr>
-          <p:cNvPr id="285" name="Google Shape;285;p45"/>
+          <p:cNvPr id="287" name="Google Shape;287;p45"/>
           <p:cNvSpPr txBox="1"/>
           <p:nvPr>
             <p:ph idx="12" type="sldNum"/>
@@ -18444,7 +18500,7 @@
       </p:sp>
       <p:pic>
         <p:nvPicPr>
-          <p:cNvPr id="286" name="Google Shape;286;p45"/>
+          <p:cNvPr id="288" name="Google Shape;288;p45"/>
           <p:cNvPicPr preferRelativeResize="0"/>
           <p:nvPr/>
         </p:nvPicPr>
@@ -18471,7 +18527,7 @@
       </p:pic>
       <p:pic>
         <p:nvPicPr>
-          <p:cNvPr id="287" name="Google Shape;287;p45"/>
+          <p:cNvPr id="289" name="Google Shape;289;p45"/>
           <p:cNvPicPr preferRelativeResize="0"/>
           <p:nvPr/>
         </p:nvPicPr>
@@ -18498,7 +18554,7 @@
       </p:pic>
       <p:pic>
         <p:nvPicPr>
-          <p:cNvPr id="288" name="Google Shape;288;p45"/>
+          <p:cNvPr id="290" name="Google Shape;290;p45"/>
           <p:cNvPicPr preferRelativeResize="0"/>
           <p:nvPr/>
         </p:nvPicPr>
@@ -18525,7 +18581,7 @@
       </p:pic>
       <p:pic>
         <p:nvPicPr>
-          <p:cNvPr id="289" name="Google Shape;289;p45"/>
+          <p:cNvPr id="291" name="Google Shape;291;p45"/>
           <p:cNvPicPr preferRelativeResize="0"/>
           <p:nvPr/>
         </p:nvPicPr>
@@ -18563,7 +18619,7 @@
   <p:cSld>
     <p:spTree>
       <p:nvGrpSpPr>
-        <p:cNvPr id="293" name="Shape 293"/>
+        <p:cNvPr id="295" name="Shape 295"/>
         <p:cNvGrpSpPr/>
         <p:nvPr/>
       </p:nvGrpSpPr>
@@ -18577,7 +18633,7 @@
       </p:grpSpPr>
       <p:sp>
         <p:nvSpPr>
-          <p:cNvPr id="294" name="Google Shape;294;p46"/>
+          <p:cNvPr id="296" name="Google Shape;296;p46"/>
           <p:cNvSpPr txBox="1"/>
           <p:nvPr>
             <p:ph type="title"/>
@@ -18617,7 +18673,7 @@
       </p:sp>
       <p:sp>
         <p:nvSpPr>
-          <p:cNvPr id="295" name="Google Shape;295;p46"/>
+          <p:cNvPr id="297" name="Google Shape;297;p46"/>
           <p:cNvSpPr txBox="1"/>
           <p:nvPr>
             <p:ph idx="12" type="sldNum"/>
@@ -18668,7 +18724,7 @@
   <p:cSld>
     <p:spTree>
       <p:nvGrpSpPr>
-        <p:cNvPr id="299" name="Shape 299"/>
+        <p:cNvPr id="301" name="Shape 301"/>
         <p:cNvGrpSpPr/>
         <p:nvPr/>
       </p:nvGrpSpPr>
@@ -18682,7 +18738,7 @@
       </p:grpSpPr>
       <p:sp>
         <p:nvSpPr>
-          <p:cNvPr id="300" name="Google Shape;300;p47"/>
+          <p:cNvPr id="302" name="Google Shape;302;p47"/>
           <p:cNvSpPr txBox="1"/>
           <p:nvPr>
             <p:ph type="title"/>
@@ -18722,7 +18778,7 @@
       </p:sp>
       <p:sp>
         <p:nvSpPr>
-          <p:cNvPr id="301" name="Google Shape;301;p47"/>
+          <p:cNvPr id="303" name="Google Shape;303;p47"/>
           <p:cNvSpPr txBox="1"/>
           <p:nvPr>
             <p:ph idx="1" type="body"/>
@@ -18974,7 +19030,7 @@
       </p:sp>
       <p:sp>
         <p:nvSpPr>
-          <p:cNvPr id="302" name="Google Shape;302;p47"/>
+          <p:cNvPr id="304" name="Google Shape;304;p47"/>
           <p:cNvSpPr txBox="1"/>
           <p:nvPr>
             <p:ph idx="12" type="sldNum"/>
@@ -19014,7 +19070,7 @@
       </p:sp>
       <p:pic>
         <p:nvPicPr>
-          <p:cNvPr id="303" name="Google Shape;303;p47"/>
+          <p:cNvPr id="305" name="Google Shape;305;p47"/>
           <p:cNvPicPr preferRelativeResize="0"/>
           <p:nvPr/>
         </p:nvPicPr>
@@ -19042,7 +19098,7 @@
       </p:pic>
       <p:pic>
         <p:nvPicPr>
-          <p:cNvPr id="304" name="Google Shape;304;p47"/>
+          <p:cNvPr id="306" name="Google Shape;306;p47"/>
           <p:cNvPicPr preferRelativeResize="0"/>
           <p:nvPr/>
         </p:nvPicPr>
@@ -19070,7 +19126,7 @@
       </p:pic>
       <p:pic>
         <p:nvPicPr>
-          <p:cNvPr id="305" name="Google Shape;305;p47"/>
+          <p:cNvPr id="307" name="Google Shape;307;p47"/>
           <p:cNvPicPr preferRelativeResize="0"/>
           <p:nvPr/>
         </p:nvPicPr>
@@ -19109,7 +19165,7 @@
   <p:cSld>
     <p:spTree>
       <p:nvGrpSpPr>
-        <p:cNvPr id="309" name="Shape 309"/>
+        <p:cNvPr id="311" name="Shape 311"/>
         <p:cNvGrpSpPr/>
         <p:nvPr/>
       </p:nvGrpSpPr>
@@ -19123,7 +19179,7 @@
       </p:grpSpPr>
       <p:sp>
         <p:nvSpPr>
-          <p:cNvPr id="310" name="Google Shape;310;p48"/>
+          <p:cNvPr id="312" name="Google Shape;312;p48"/>
           <p:cNvSpPr txBox="1"/>
           <p:nvPr>
             <p:ph type="title"/>
@@ -19163,7 +19219,7 @@
       </p:sp>
       <p:sp>
         <p:nvSpPr>
-          <p:cNvPr id="311" name="Google Shape;311;p48"/>
+          <p:cNvPr id="313" name="Google Shape;313;p48"/>
           <p:cNvSpPr txBox="1"/>
           <p:nvPr>
             <p:ph idx="12" type="sldNum"/>
@@ -19214,7 +19270,7 @@
   <p:cSld>
     <p:spTree>
       <p:nvGrpSpPr>
-        <p:cNvPr id="315" name="Shape 315"/>
+        <p:cNvPr id="317" name="Shape 317"/>
         <p:cNvGrpSpPr/>
         <p:nvPr/>
       </p:nvGrpSpPr>
@@ -19228,7 +19284,7 @@
       </p:grpSpPr>
       <p:sp>
         <p:nvSpPr>
-          <p:cNvPr id="316" name="Google Shape;316;p49"/>
+          <p:cNvPr id="318" name="Google Shape;318;p49"/>
           <p:cNvSpPr txBox="1"/>
           <p:nvPr>
             <p:ph idx="12" type="sldNum"/>
@@ -19268,7 +19324,7 @@
       </p:sp>
       <p:sp>
         <p:nvSpPr>
-          <p:cNvPr id="317" name="Google Shape;317;p49"/>
+          <p:cNvPr id="319" name="Google Shape;319;p49"/>
           <p:cNvSpPr txBox="1"/>
           <p:nvPr>
             <p:ph type="title"/>
